--- a/Project 3-Team 5 Presentation.pptx
+++ b/Project 3-Team 5 Presentation.pptx
@@ -848,7 +848,7 @@
         </p:nvSpPr>
         <p:spPr>
           <a:xfrm>
-            <a:off x="381300" y="685800"/>
+            <a:off x="381000" y="685800"/>
             <a:ext cx="6096000" cy="3429000"/>
           </a:xfrm>
           <a:custGeom>
@@ -956,7 +956,7 @@
         </p:nvSpPr>
         <p:spPr>
           <a:xfrm>
-            <a:off x="381300" y="685800"/>
+            <a:off x="381000" y="685800"/>
             <a:ext cx="6096000" cy="3429000"/>
           </a:xfrm>
           <a:custGeom>
@@ -7479,10 +7479,10 @@
               <a:buNone/>
             </a:pPr>
             <a:r>
-              <a:rPr lang="en" sz="2420" b="1"/>
-              <a:t>Last Century's Tsunamis Mostly Due to Earthquakes</a:t>
+              <a:rPr lang="en" sz="2420" b="1" dirty="0"/>
+              <a:t>Tsunamis Main Cause: Earthquakes</a:t>
             </a:r>
-            <a:endParaRPr sz="2420" b="1"/>
+            <a:endParaRPr sz="2420" b="1" dirty="0"/>
           </a:p>
         </p:txBody>
       </p:sp>
@@ -7608,7 +7608,7 @@
         </p:nvSpPr>
         <p:spPr>
           <a:xfrm>
-            <a:off x="311700" y="445025"/>
+            <a:off x="311699" y="293875"/>
             <a:ext cx="8520600" cy="572700"/>
           </a:xfrm>
           <a:prstGeom prst="rect">
@@ -7631,10 +7631,10 @@
               <a:buNone/>
             </a:pPr>
             <a:r>
-              <a:rPr lang="en" b="1"/>
-              <a:t>Japan: Hardest Hit by Last Century's Tsunamis</a:t>
+              <a:rPr lang="en" b="1" dirty="0"/>
+              <a:t>Japan: Hardest Hit by Tsunamis</a:t>
             </a:r>
-            <a:endParaRPr b="1"/>
+            <a:endParaRPr b="1" dirty="0"/>
           </a:p>
         </p:txBody>
       </p:sp>
